--- a/Hänga Gubbe.pptx
+++ b/Hänga Gubbe.pptx
@@ -11,6 +11,7 @@
     <p:sldId id="259" r:id="rId5"/>
     <p:sldId id="260" r:id="rId6"/>
     <p:sldId id="261" r:id="rId7"/>
+    <p:sldId id="262" r:id="rId8"/>
   </p:sldIdLst>
   <p:sldSz cx="9144000" cy="6858000" type="screen4x3"/>
   <p:notesSz cx="6858000" cy="9144000"/>
@@ -5456,7 +5457,7 @@
           <a:p>
             <a:r>
               <a:rPr lang="sv-SE" dirty="0" smtClean="0"/>
-              <a:t>Process: analysfasen</a:t>
+              <a:t>Process: analys</a:t>
             </a:r>
             <a:endParaRPr lang="sv-SE" dirty="0"/>
           </a:p>
@@ -5611,7 +5612,7 @@
           <a:p>
             <a:r>
               <a:rPr lang="sv-SE" dirty="0" smtClean="0"/>
-              <a:t>Process: designfasen</a:t>
+              <a:t>Process: design</a:t>
             </a:r>
             <a:endParaRPr lang="sv-SE" dirty="0"/>
           </a:p>
@@ -5632,7 +5633,47 @@
           <a:bodyPr/>
           <a:lstStyle/>
           <a:p>
-            <a:endParaRPr lang="sv-SE"/>
+            <a:r>
+              <a:rPr lang="sv-SE" dirty="0"/>
+              <a:t>Klassdiagram</a:t>
+            </a:r>
+          </a:p>
+          <a:p>
+            <a:r>
+              <a:rPr lang="sv-SE" dirty="0" smtClean="0"/>
+              <a:t>Ordhantering</a:t>
+            </a:r>
+          </a:p>
+          <a:p>
+            <a:r>
+              <a:rPr lang="sv-SE" dirty="0" smtClean="0"/>
+              <a:t>Verktyg</a:t>
+            </a:r>
+          </a:p>
+          <a:p>
+            <a:pPr lvl="1"/>
+            <a:r>
+              <a:rPr lang="sv-SE" sz="2000" dirty="0" smtClean="0"/>
+              <a:t>Visual Studio</a:t>
+            </a:r>
+          </a:p>
+          <a:p>
+            <a:pPr lvl="1"/>
+            <a:r>
+              <a:rPr lang="sv-SE" sz="2000" dirty="0" err="1" smtClean="0"/>
+              <a:t>MonoGame</a:t>
+            </a:r>
+            <a:endParaRPr lang="sv-SE" sz="2000" dirty="0" smtClean="0"/>
+          </a:p>
+          <a:p>
+            <a:pPr lvl="1"/>
+            <a:r>
+              <a:rPr lang="sv-SE" sz="2000" dirty="0" smtClean="0"/>
+              <a:t>C#</a:t>
+            </a:r>
+          </a:p>
+          <a:p>
+            <a:endParaRPr lang="sv-SE" dirty="0" smtClean="0"/>
           </a:p>
         </p:txBody>
       </p:sp>
@@ -5640,6 +5681,78 @@
     <p:extLst>
       <p:ext uri="{BB962C8B-B14F-4D97-AF65-F5344CB8AC3E}">
         <p14:creationId xmlns:p14="http://schemas.microsoft.com/office/powerpoint/2010/main" val="4202133192"/>
+      </p:ext>
+    </p:extLst>
+  </p:cSld>
+  <p:clrMapOvr>
+    <a:masterClrMapping/>
+  </p:clrMapOvr>
+</p:sld>
+</file>
+
+<file path=ppt/slides/slide7.xml><?xml version="1.0" encoding="utf-8"?>
+<p:sld xmlns:a="http://schemas.openxmlformats.org/drawingml/2006/main" xmlns:r="http://schemas.openxmlformats.org/officeDocument/2006/relationships" xmlns:p="http://schemas.openxmlformats.org/presentationml/2006/main">
+  <p:cSld>
+    <p:spTree>
+      <p:nvGrpSpPr>
+        <p:cNvPr id="1" name=""/>
+        <p:cNvGrpSpPr/>
+        <p:nvPr/>
+      </p:nvGrpSpPr>
+      <p:grpSpPr>
+        <a:xfrm>
+          <a:off x="0" y="0"/>
+          <a:ext cx="0" cy="0"/>
+          <a:chOff x="0" y="0"/>
+          <a:chExt cx="0" cy="0"/>
+        </a:xfrm>
+      </p:grpSpPr>
+      <p:sp>
+        <p:nvSpPr>
+          <p:cNvPr id="2" name="Rubrik 1"/>
+          <p:cNvSpPr>
+            <a:spLocks noGrp="1"/>
+          </p:cNvSpPr>
+          <p:nvPr>
+            <p:ph type="title"/>
+          </p:nvPr>
+        </p:nvSpPr>
+        <p:spPr/>
+        <p:txBody>
+          <a:bodyPr/>
+          <a:lstStyle/>
+          <a:p>
+            <a:r>
+              <a:rPr lang="sv-SE" dirty="0" smtClean="0"/>
+              <a:t>Process: implementation</a:t>
+            </a:r>
+            <a:endParaRPr lang="sv-SE" dirty="0"/>
+          </a:p>
+        </p:txBody>
+      </p:sp>
+      <p:sp>
+        <p:nvSpPr>
+          <p:cNvPr id="3" name="Platshållare för innehåll 2"/>
+          <p:cNvSpPr>
+            <a:spLocks noGrp="1"/>
+          </p:cNvSpPr>
+          <p:nvPr>
+            <p:ph sz="quarter" idx="1"/>
+          </p:nvPr>
+        </p:nvSpPr>
+        <p:spPr/>
+        <p:txBody>
+          <a:bodyPr/>
+          <a:lstStyle/>
+          <a:p>
+            <a:endParaRPr lang="sv-SE" dirty="0"/>
+          </a:p>
+        </p:txBody>
+      </p:sp>
+    </p:spTree>
+    <p:extLst>
+      <p:ext uri="{BB962C8B-B14F-4D97-AF65-F5344CB8AC3E}">
+        <p14:creationId xmlns:p14="http://schemas.microsoft.com/office/powerpoint/2010/main" val="1725219293"/>
       </p:ext>
     </p:extLst>
   </p:cSld>

--- a/Hänga Gubbe.pptx
+++ b/Hänga Gubbe.pptx
@@ -12,6 +12,7 @@
     <p:sldId id="260" r:id="rId6"/>
     <p:sldId id="261" r:id="rId7"/>
     <p:sldId id="262" r:id="rId8"/>
+    <p:sldId id="263" r:id="rId9"/>
   </p:sldIdLst>
   <p:sldSz cx="9144000" cy="6858000" type="screen4x3"/>
   <p:notesSz cx="6858000" cy="9144000"/>
@@ -115,11 +116,24 @@
 
 <file path=ppt/commentAuthors.xml><?xml version="1.0" encoding="utf-8"?>
 <p:cmAuthorLst xmlns:a="http://schemas.openxmlformats.org/drawingml/2006/main" xmlns:r="http://schemas.openxmlformats.org/officeDocument/2006/relationships" xmlns:p="http://schemas.openxmlformats.org/presentationml/2006/main">
-  <p:cmAuthor id="0" name="Spellabbet" initials="S" lastIdx="4" clrIdx="0"/>
+  <p:cmAuthor id="0" name="Spellabbet" initials="S" lastIdx="5" clrIdx="0"/>
 </p:cmAuthorLst>
 </file>
 
 <file path=ppt/comments/comment1.xml><?xml version="1.0" encoding="utf-8"?>
+<p:cmLst xmlns:a="http://schemas.openxmlformats.org/drawingml/2006/main" xmlns:r="http://schemas.openxmlformats.org/officeDocument/2006/relationships" xmlns:p="http://schemas.openxmlformats.org/presentationml/2006/main">
+  <p:cm authorId="0" dt="2014-05-26T11:53:05.065" idx="5">
+    <p:pos x="2880" y="1440"/>
+    <p:text>André: Grundkriterier del 1 och 2
+Fabian: Analys
+Fredrik: Design
+Martin N: Implementation
+Martin S: Inledning och avslutning</p:text>
+  </p:cm>
+</p:cmLst>
+</file>
+
+<file path=ppt/comments/comment2.xml><?xml version="1.0" encoding="utf-8"?>
 <p:cmLst xmlns:a="http://schemas.openxmlformats.org/drawingml/2006/main" xmlns:r="http://schemas.openxmlformats.org/officeDocument/2006/relationships" xmlns:p="http://schemas.openxmlformats.org/presentationml/2006/main">
   <p:cm authorId="0" dt="2014-05-23T14:43:44.902" idx="1">
     <p:pos x="2806" y="1669"/>
@@ -142,7 +156,7 @@
 </p:cmLst>
 </file>
 
-<file path=ppt/comments/comment2.xml><?xml version="1.0" encoding="utf-8"?>
+<file path=ppt/comments/comment3.xml><?xml version="1.0" encoding="utf-8"?>
 <p:cmLst xmlns:a="http://schemas.openxmlformats.org/drawingml/2006/main" xmlns:r="http://schemas.openxmlformats.org/officeDocument/2006/relationships" xmlns:p="http://schemas.openxmlformats.org/presentationml/2006/main">
   <p:cm authorId="0" dt="2014-05-23T14:58:39.647" idx="4">
     <p:pos x="3338" y="1679"/>
@@ -288,7 +302,7 @@
           <a:p>
             <a:fld id="{A6A692BC-DC7E-423C-9C2E-12C4BB2F6C4C}" type="datetimeFigureOut">
               <a:rPr lang="sv-SE" smtClean="0"/>
-              <a:t>2014-05-23</a:t>
+              <a:t>2014-05-26</a:t>
             </a:fld>
             <a:endParaRPr lang="sv-SE"/>
           </a:p>
@@ -1157,7 +1171,7 @@
           <a:p>
             <a:fld id="{A6A692BC-DC7E-423C-9C2E-12C4BB2F6C4C}" type="datetimeFigureOut">
               <a:rPr lang="sv-SE" smtClean="0"/>
-              <a:t>2014-05-23</a:t>
+              <a:t>2014-05-26</a:t>
             </a:fld>
             <a:endParaRPr lang="sv-SE"/>
           </a:p>
@@ -1332,7 +1346,7 @@
           <a:p>
             <a:fld id="{A6A692BC-DC7E-423C-9C2E-12C4BB2F6C4C}" type="datetimeFigureOut">
               <a:rPr lang="sv-SE" smtClean="0"/>
-              <a:t>2014-05-23</a:t>
+              <a:t>2014-05-26</a:t>
             </a:fld>
             <a:endParaRPr lang="sv-SE"/>
           </a:p>
@@ -1502,7 +1516,7 @@
           <a:p>
             <a:fld id="{A6A692BC-DC7E-423C-9C2E-12C4BB2F6C4C}" type="datetimeFigureOut">
               <a:rPr lang="sv-SE" smtClean="0"/>
-              <a:t>2014-05-23</a:t>
+              <a:t>2014-05-26</a:t>
             </a:fld>
             <a:endParaRPr lang="sv-SE"/>
           </a:p>
@@ -1712,7 +1726,7 @@
           <a:p>
             <a:fld id="{A6A692BC-DC7E-423C-9C2E-12C4BB2F6C4C}" type="datetimeFigureOut">
               <a:rPr lang="sv-SE" smtClean="0"/>
-              <a:t>2014-05-23</a:t>
+              <a:t>2014-05-26</a:t>
             </a:fld>
             <a:endParaRPr lang="sv-SE"/>
           </a:p>
@@ -2526,7 +2540,7 @@
           <a:p>
             <a:fld id="{A6A692BC-DC7E-423C-9C2E-12C4BB2F6C4C}" type="datetimeFigureOut">
               <a:rPr lang="sv-SE" smtClean="0"/>
-              <a:t>2014-05-23</a:t>
+              <a:t>2014-05-26</a:t>
             </a:fld>
             <a:endParaRPr lang="sv-SE"/>
           </a:p>
@@ -2762,7 +2776,7 @@
           <a:p>
             <a:fld id="{A6A692BC-DC7E-423C-9C2E-12C4BB2F6C4C}" type="datetimeFigureOut">
               <a:rPr lang="sv-SE" smtClean="0"/>
-              <a:t>2014-05-23</a:t>
+              <a:t>2014-05-26</a:t>
             </a:fld>
             <a:endParaRPr lang="sv-SE"/>
           </a:p>
@@ -3085,7 +3099,7 @@
           <a:p>
             <a:fld id="{A6A692BC-DC7E-423C-9C2E-12C4BB2F6C4C}" type="datetimeFigureOut">
               <a:rPr lang="sv-SE" smtClean="0"/>
-              <a:t>2014-05-23</a:t>
+              <a:t>2014-05-26</a:t>
             </a:fld>
             <a:endParaRPr lang="sv-SE"/>
           </a:p>
@@ -3175,7 +3189,7 @@
           <a:p>
             <a:fld id="{A6A692BC-DC7E-423C-9C2E-12C4BB2F6C4C}" type="datetimeFigureOut">
               <a:rPr lang="sv-SE" smtClean="0"/>
-              <a:t>2014-05-23</a:t>
+              <a:t>2014-05-26</a:t>
             </a:fld>
             <a:endParaRPr lang="sv-SE"/>
           </a:p>
@@ -3692,7 +3706,7 @@
           <a:p>
             <a:fld id="{A6A692BC-DC7E-423C-9C2E-12C4BB2F6C4C}" type="datetimeFigureOut">
               <a:rPr lang="sv-SE" smtClean="0"/>
-              <a:t>2014-05-23</a:t>
+              <a:t>2014-05-26</a:t>
             </a:fld>
             <a:endParaRPr lang="sv-SE"/>
           </a:p>
@@ -4203,7 +4217,7 @@
           <a:p>
             <a:fld id="{A6A692BC-DC7E-423C-9C2E-12C4BB2F6C4C}" type="datetimeFigureOut">
               <a:rPr lang="sv-SE" smtClean="0"/>
-              <a:t>2014-05-23</a:t>
+              <a:t>2014-05-26</a:t>
             </a:fld>
             <a:endParaRPr lang="sv-SE"/>
           </a:p>
@@ -4448,7 +4462,7 @@
           <a:p>
             <a:fld id="{A6A692BC-DC7E-423C-9C2E-12C4BB2F6C4C}" type="datetimeFigureOut">
               <a:rPr lang="sv-SE" smtClean="0"/>
-              <a:t>2014-05-23</a:t>
+              <a:t>2014-05-26</a:t>
             </a:fld>
             <a:endParaRPr lang="sv-SE"/>
           </a:p>
@@ -5081,29 +5095,72 @@
           </a:p>
         </p:txBody>
       </p:sp>
-      <p:sp>
-        <p:nvSpPr>
-          <p:cNvPr id="3" name="Underrubrik 2"/>
-          <p:cNvSpPr>
-            <a:spLocks noGrp="1"/>
-          </p:cNvSpPr>
-          <p:nvPr>
-            <p:ph type="subTitle" idx="1"/>
-          </p:nvPr>
+      <p:pic>
+        <p:nvPicPr>
+          <p:cNvPr id="1026" name="Picture 2" descr="C:\Users\Spellabbet\Desktop\Hänga Gubbe\HangaGubbe\Hänga Gubbe-skärmdumpar\MainMenu.png"/>
+          <p:cNvPicPr>
+            <a:picLocks noChangeAspect="1" noChangeArrowheads="1"/>
+          </p:cNvPicPr>
+          <p:nvPr/>
+        </p:nvPicPr>
+        <p:blipFill>
+          <a:blip r:embed="rId2" cstate="print">
+            <a:extLst>
+              <a:ext uri="{28A0092B-C50C-407E-A947-70E740481C1C}">
+                <a14:useLocalDpi xmlns:a14="http://schemas.microsoft.com/office/drawing/2010/main" val="0"/>
+              </a:ext>
+            </a:extLst>
+          </a:blip>
+          <a:srcRect/>
+          <a:stretch>
+            <a:fillRect/>
+          </a:stretch>
+        </p:blipFill>
+        <p:spPr bwMode="auto">
+          <a:xfrm>
+            <a:off x="2483768" y="3005749"/>
+            <a:ext cx="6326269" cy="3456384"/>
+          </a:xfrm>
+          <a:prstGeom prst="rect">
+            <a:avLst/>
+          </a:prstGeom>
+          <a:noFill/>
+          <a:extLst>
+            <a:ext uri="{909E8E84-426E-40DD-AFC4-6F175D3DCCD1}">
+              <a14:hiddenFill xmlns:a14="http://schemas.microsoft.com/office/drawing/2010/main">
+                <a:solidFill>
+                  <a:srgbClr val="FFFFFF"/>
+                </a:solidFill>
+              </a14:hiddenFill>
+            </a:ext>
+          </a:extLst>
+        </p:spPr>
+      </p:pic>
+      <p:sp>
+        <p:nvSpPr>
+          <p:cNvPr id="4" name="textruta 3"/>
+          <p:cNvSpPr txBox="1"/>
+          <p:nvPr/>
         </p:nvSpPr>
         <p:spPr>
           <a:xfrm>
-            <a:off x="2339752" y="2276872"/>
-            <a:ext cx="6172200" cy="3168352"/>
-          </a:xfrm>
-        </p:spPr>
-        <p:txBody>
-          <a:bodyPr/>
+            <a:off x="2339752" y="2204864"/>
+            <a:ext cx="6254261" cy="369332"/>
+          </a:xfrm>
+          <a:prstGeom prst="rect">
+            <a:avLst/>
+          </a:prstGeom>
+          <a:noFill/>
+        </p:spPr>
+        <p:txBody>
+          <a:bodyPr wrap="square" rtlCol="0">
+            <a:spAutoFit/>
+          </a:bodyPr>
           <a:lstStyle/>
           <a:p>
             <a:r>
               <a:rPr lang="sv-SE" dirty="0" smtClean="0"/>
-              <a:t>Från idé till mästerverk</a:t>
+              <a:t>André T., Fabian S., Fredrik W., Martin N., Martin S.</a:t>
             </a:r>
             <a:endParaRPr lang="sv-SE" dirty="0"/>
           </a:p>
@@ -5420,6 +5477,13 @@
   <p:clrMapOvr>
     <a:masterClrMapping/>
   </p:clrMapOvr>
+  <p:timing>
+    <p:tnLst>
+      <p:par>
+        <p:cTn id="1" dur="indefinite" restart="never" nodeType="tmRoot"/>
+      </p:par>
+    </p:tnLst>
+  </p:timing>
 </p:sld>
 </file>
 
@@ -5575,6 +5639,13 @@
   <p:clrMapOvr>
     <a:masterClrMapping/>
   </p:clrMapOvr>
+  <p:timing>
+    <p:tnLst>
+      <p:par>
+        <p:cTn id="1" dur="indefinite" restart="never" nodeType="tmRoot"/>
+      </p:par>
+    </p:tnLst>
+  </p:timing>
 </p:sld>
 </file>
 
@@ -5669,14 +5740,202 @@
             <a:pPr lvl="1"/>
             <a:r>
               <a:rPr lang="sv-SE" sz="2000" dirty="0" smtClean="0"/>
-              <a:t>C#</a:t>
-            </a:r>
-          </a:p>
-          <a:p>
+              <a:t>C</a:t>
+            </a:r>
+            <a:r>
+              <a:rPr lang="sv-SE" sz="2000" dirty="0" smtClean="0"/>
+              <a:t>#</a:t>
+            </a:r>
+          </a:p>
+          <a:p>
+            <a:pPr lvl="1"/>
+            <a:r>
+              <a:rPr lang="sv-SE" sz="2000" dirty="0" err="1" smtClean="0"/>
+              <a:t>GitHub</a:t>
+            </a:r>
+            <a:endParaRPr lang="sv-SE" sz="2000" dirty="0" smtClean="0"/>
+          </a:p>
+          <a:p>
+            <a:pPr lvl="1"/>
+            <a:r>
+              <a:rPr lang="sv-SE" sz="2000" dirty="0" smtClean="0"/>
+              <a:t>Photoshop</a:t>
+            </a:r>
+            <a:endParaRPr lang="sv-SE" sz="2000" dirty="0" smtClean="0"/>
+          </a:p>
+          <a:p>
+            <a:r>
+              <a:rPr lang="sv-SE" dirty="0" smtClean="0"/>
+              <a:t>Egen grafik</a:t>
+            </a:r>
             <a:endParaRPr lang="sv-SE" dirty="0" smtClean="0"/>
           </a:p>
         </p:txBody>
       </p:sp>
+      <p:pic>
+        <p:nvPicPr>
+          <p:cNvPr id="3074" name="Picture 2" descr="http://i.imgur.com/YqTqq.png"/>
+          <p:cNvPicPr>
+            <a:picLocks noChangeAspect="1" noChangeArrowheads="1"/>
+          </p:cNvPicPr>
+          <p:nvPr/>
+        </p:nvPicPr>
+        <p:blipFill>
+          <a:blip r:embed="rId2" cstate="print">
+            <a:extLst>
+              <a:ext uri="{28A0092B-C50C-407E-A947-70E740481C1C}">
+                <a14:useLocalDpi xmlns:a14="http://schemas.microsoft.com/office/drawing/2010/main" val="0"/>
+              </a:ext>
+            </a:extLst>
+          </a:blip>
+          <a:srcRect/>
+          <a:stretch>
+            <a:fillRect/>
+          </a:stretch>
+        </p:blipFill>
+        <p:spPr bwMode="auto">
+          <a:xfrm>
+            <a:off x="4425581" y="1761921"/>
+            <a:ext cx="3178324" cy="890159"/>
+          </a:xfrm>
+          <a:prstGeom prst="rect">
+            <a:avLst/>
+          </a:prstGeom>
+          <a:noFill/>
+          <a:extLst>
+            <a:ext uri="{909E8E84-426E-40DD-AFC4-6F175D3DCCD1}">
+              <a14:hiddenFill xmlns:a14="http://schemas.microsoft.com/office/drawing/2010/main">
+                <a:solidFill>
+                  <a:srgbClr val="FFFFFF"/>
+                </a:solidFill>
+              </a14:hiddenFill>
+            </a:ext>
+          </a:extLst>
+        </p:spPr>
+      </p:pic>
+      <p:pic>
+        <p:nvPicPr>
+          <p:cNvPr id="3076" name="Picture 4" descr="http://www.indievault.it/wp-content/uploads/2013/10/MonoGame-Logo.png"/>
+          <p:cNvPicPr>
+            <a:picLocks noChangeAspect="1" noChangeArrowheads="1"/>
+          </p:cNvPicPr>
+          <p:nvPr/>
+        </p:nvPicPr>
+        <p:blipFill>
+          <a:blip r:embed="rId3" cstate="print">
+            <a:extLst>
+              <a:ext uri="{28A0092B-C50C-407E-A947-70E740481C1C}">
+                <a14:useLocalDpi xmlns:a14="http://schemas.microsoft.com/office/drawing/2010/main" val="0"/>
+              </a:ext>
+            </a:extLst>
+          </a:blip>
+          <a:srcRect/>
+          <a:stretch>
+            <a:fillRect/>
+          </a:stretch>
+        </p:blipFill>
+        <p:spPr bwMode="auto">
+          <a:xfrm>
+            <a:off x="6014743" y="2708920"/>
+            <a:ext cx="1512168" cy="1512168"/>
+          </a:xfrm>
+          <a:prstGeom prst="rect">
+            <a:avLst/>
+          </a:prstGeom>
+          <a:noFill/>
+          <a:extLst>
+            <a:ext uri="{909E8E84-426E-40DD-AFC4-6F175D3DCCD1}">
+              <a14:hiddenFill xmlns:a14="http://schemas.microsoft.com/office/drawing/2010/main">
+                <a:solidFill>
+                  <a:srgbClr val="FFFFFF"/>
+                </a:solidFill>
+              </a14:hiddenFill>
+            </a:ext>
+          </a:extLst>
+        </p:spPr>
+      </p:pic>
+      <p:pic>
+        <p:nvPicPr>
+          <p:cNvPr id="3077" name="Picture 5" descr="C:\Users\Spellabbet\Desktop\ps.png"/>
+          <p:cNvPicPr>
+            <a:picLocks noChangeAspect="1" noChangeArrowheads="1"/>
+          </p:cNvPicPr>
+          <p:nvPr/>
+        </p:nvPicPr>
+        <p:blipFill>
+          <a:blip r:embed="rId4">
+            <a:extLst>
+              <a:ext uri="{28A0092B-C50C-407E-A947-70E740481C1C}">
+                <a14:useLocalDpi xmlns:a14="http://schemas.microsoft.com/office/drawing/2010/main" val="0"/>
+              </a:ext>
+            </a:extLst>
+          </a:blip>
+          <a:srcRect/>
+          <a:stretch>
+            <a:fillRect/>
+          </a:stretch>
+        </p:blipFill>
+        <p:spPr bwMode="auto">
+          <a:xfrm>
+            <a:off x="5796136" y="4509120"/>
+            <a:ext cx="628650" cy="590550"/>
+          </a:xfrm>
+          <a:prstGeom prst="rect">
+            <a:avLst/>
+          </a:prstGeom>
+          <a:noFill/>
+          <a:extLst>
+            <a:ext uri="{909E8E84-426E-40DD-AFC4-6F175D3DCCD1}">
+              <a14:hiddenFill xmlns:a14="http://schemas.microsoft.com/office/drawing/2010/main">
+                <a:solidFill>
+                  <a:srgbClr val="FFFFFF"/>
+                </a:solidFill>
+              </a14:hiddenFill>
+            </a:ext>
+          </a:extLst>
+        </p:spPr>
+      </p:pic>
+      <p:pic>
+        <p:nvPicPr>
+          <p:cNvPr id="3079" name="Picture 7" descr="https://assets-cdn.github.com/images/modules/logos_page/GitHub-Mark.png"/>
+          <p:cNvPicPr>
+            <a:picLocks noChangeAspect="1" noChangeArrowheads="1"/>
+          </p:cNvPicPr>
+          <p:nvPr/>
+        </p:nvPicPr>
+        <p:blipFill>
+          <a:blip r:embed="rId5" cstate="print">
+            <a:extLst>
+              <a:ext uri="{28A0092B-C50C-407E-A947-70E740481C1C}">
+                <a14:useLocalDpi xmlns:a14="http://schemas.microsoft.com/office/drawing/2010/main" val="0"/>
+              </a:ext>
+            </a:extLst>
+          </a:blip>
+          <a:srcRect/>
+          <a:stretch>
+            <a:fillRect/>
+          </a:stretch>
+        </p:blipFill>
+        <p:spPr bwMode="auto">
+          <a:xfrm>
+            <a:off x="4543143" y="2652080"/>
+            <a:ext cx="1471600" cy="1471600"/>
+          </a:xfrm>
+          <a:prstGeom prst="rect">
+            <a:avLst/>
+          </a:prstGeom>
+          <a:noFill/>
+          <a:extLst>
+            <a:ext uri="{909E8E84-426E-40DD-AFC4-6F175D3DCCD1}">
+              <a14:hiddenFill xmlns:a14="http://schemas.microsoft.com/office/drawing/2010/main">
+                <a:solidFill>
+                  <a:srgbClr val="FFFFFF"/>
+                </a:solidFill>
+              </a14:hiddenFill>
+            </a:ext>
+          </a:extLst>
+        </p:spPr>
+      </p:pic>
     </p:spTree>
     <p:extLst>
       <p:ext uri="{BB962C8B-B14F-4D97-AF65-F5344CB8AC3E}">
@@ -5687,6 +5946,13 @@
   <p:clrMapOvr>
     <a:masterClrMapping/>
   </p:clrMapOvr>
+  <p:timing>
+    <p:tnLst>
+      <p:par>
+        <p:cTn id="1" dur="indefinite" restart="never" nodeType="tmRoot"/>
+      </p:par>
+    </p:tnLst>
+  </p:timing>
 </p:sld>
 </file>
 
@@ -5745,14 +6011,274 @@
           <a:bodyPr/>
           <a:lstStyle/>
           <a:p>
-            <a:endParaRPr lang="sv-SE" dirty="0"/>
-          </a:p>
-        </p:txBody>
-      </p:sp>
+            <a:r>
+              <a:rPr lang="sv-SE" dirty="0" smtClean="0"/>
+              <a:t>Steg för steg</a:t>
+            </a:r>
+          </a:p>
+          <a:p>
+            <a:pPr lvl="1"/>
+            <a:r>
+              <a:rPr lang="sv-SE" sz="2000" dirty="0" smtClean="0"/>
+              <a:t>Ladda in ord</a:t>
+            </a:r>
+          </a:p>
+          <a:p>
+            <a:pPr lvl="1"/>
+            <a:r>
+              <a:rPr lang="sv-SE" sz="2000" dirty="0" smtClean="0"/>
+              <a:t>Spela med tangentbordet</a:t>
+            </a:r>
+          </a:p>
+          <a:p>
+            <a:pPr lvl="1"/>
+            <a:r>
+              <a:rPr lang="sv-SE" sz="2000" dirty="0" smtClean="0"/>
+              <a:t>Skapade ett touch keyboard</a:t>
+            </a:r>
+          </a:p>
+          <a:p>
+            <a:pPr lvl="1"/>
+            <a:r>
+              <a:rPr lang="sv-SE" sz="2000" dirty="0" smtClean="0"/>
+              <a:t>Började med grafik</a:t>
+            </a:r>
+          </a:p>
+          <a:p>
+            <a:pPr lvl="1"/>
+            <a:r>
+              <a:rPr lang="sv-SE" sz="2000" dirty="0" smtClean="0"/>
+              <a:t>Började med kategorier</a:t>
+            </a:r>
+            <a:endParaRPr lang="sv-SE" sz="2000" dirty="0" smtClean="0"/>
+          </a:p>
+          <a:p>
+            <a:pPr lvl="1"/>
+            <a:r>
+              <a:rPr lang="sv-SE" sz="2000" dirty="0" smtClean="0"/>
+              <a:t>Enkelt menysystem</a:t>
+            </a:r>
+          </a:p>
+          <a:p>
+            <a:pPr lvl="1"/>
+            <a:r>
+              <a:rPr lang="sv-SE" sz="2000" dirty="0" smtClean="0"/>
+              <a:t>Lägga in egna ord</a:t>
+            </a:r>
+          </a:p>
+          <a:p>
+            <a:pPr lvl="1"/>
+            <a:r>
+              <a:rPr lang="sv-SE" sz="2000" dirty="0" smtClean="0"/>
+              <a:t>Gjorde klart kategorierna</a:t>
+            </a:r>
+            <a:endParaRPr lang="sv-SE" sz="2000" dirty="0" smtClean="0"/>
+          </a:p>
+          <a:p>
+            <a:pPr lvl="1"/>
+            <a:r>
+              <a:rPr lang="sv-SE" sz="2000" dirty="0" smtClean="0"/>
+              <a:t>Gjorde klart menysystemet</a:t>
+            </a:r>
+          </a:p>
+          <a:p>
+            <a:pPr lvl="1"/>
+            <a:r>
+              <a:rPr lang="sv-SE" sz="2000" dirty="0" smtClean="0"/>
+              <a:t>Gjorde klart grafiken</a:t>
+            </a:r>
+            <a:endParaRPr lang="sv-SE" sz="2000" dirty="0"/>
+          </a:p>
+        </p:txBody>
+      </p:sp>
+      <p:pic>
+        <p:nvPicPr>
+          <p:cNvPr id="2050" name="Bildobjekt 3"/>
+          <p:cNvPicPr>
+            <a:picLocks noChangeAspect="1" noChangeArrowheads="1"/>
+          </p:cNvPicPr>
+          <p:nvPr/>
+        </p:nvPicPr>
+        <p:blipFill>
+          <a:blip r:embed="rId2" cstate="print">
+            <a:extLst>
+              <a:ext uri="{28A0092B-C50C-407E-A947-70E740481C1C}">
+                <a14:useLocalDpi xmlns:a14="http://schemas.microsoft.com/office/drawing/2010/main" val="0"/>
+              </a:ext>
+            </a:extLst>
+          </a:blip>
+          <a:srcRect/>
+          <a:stretch>
+            <a:fillRect/>
+          </a:stretch>
+        </p:blipFill>
+        <p:spPr bwMode="auto">
+          <a:xfrm>
+            <a:off x="4636947" y="1556792"/>
+            <a:ext cx="3847788" cy="2232248"/>
+          </a:xfrm>
+          <a:prstGeom prst="rect">
+            <a:avLst/>
+          </a:prstGeom>
+          <a:noFill/>
+          <a:ln>
+            <a:noFill/>
+          </a:ln>
+          <a:extLst>
+            <a:ext uri="{909E8E84-426E-40DD-AFC4-6F175D3DCCD1}">
+              <a14:hiddenFill xmlns:a14="http://schemas.microsoft.com/office/drawing/2010/main">
+                <a:solidFill>
+                  <a:srgbClr val="FFFFFF"/>
+                </a:solidFill>
+              </a14:hiddenFill>
+            </a:ext>
+            <a:ext uri="{91240B29-F687-4F45-9708-019B960494DF}">
+              <a14:hiddenLine xmlns:a14="http://schemas.microsoft.com/office/drawing/2010/main" w="9525">
+                <a:solidFill>
+                  <a:srgbClr val="000000"/>
+                </a:solidFill>
+                <a:miter lim="800000"/>
+                <a:headEnd/>
+                <a:tailEnd/>
+              </a14:hiddenLine>
+            </a:ext>
+          </a:extLst>
+        </p:spPr>
+      </p:pic>
+      <p:pic>
+        <p:nvPicPr>
+          <p:cNvPr id="2052" name="Picture 4" descr="C:\Users\Spellabbet\Desktop\Hänga Gubbe\HangaGubbe\Hänga Gubbe-skärmdumpar\IngameLose.png"/>
+          <p:cNvPicPr>
+            <a:picLocks noChangeAspect="1" noChangeArrowheads="1"/>
+          </p:cNvPicPr>
+          <p:nvPr/>
+        </p:nvPicPr>
+        <p:blipFill>
+          <a:blip r:embed="rId3" cstate="print">
+            <a:extLst>
+              <a:ext uri="{28A0092B-C50C-407E-A947-70E740481C1C}">
+                <a14:useLocalDpi xmlns:a14="http://schemas.microsoft.com/office/drawing/2010/main" val="0"/>
+              </a:ext>
+            </a:extLst>
+          </a:blip>
+          <a:srcRect/>
+          <a:stretch>
+            <a:fillRect/>
+          </a:stretch>
+        </p:blipFill>
+        <p:spPr bwMode="auto">
+          <a:xfrm>
+            <a:off x="4636947" y="4043635"/>
+            <a:ext cx="3847788" cy="2164380"/>
+          </a:xfrm>
+          <a:prstGeom prst="rect">
+            <a:avLst/>
+          </a:prstGeom>
+          <a:noFill/>
+          <a:extLst>
+            <a:ext uri="{909E8E84-426E-40DD-AFC4-6F175D3DCCD1}">
+              <a14:hiddenFill xmlns:a14="http://schemas.microsoft.com/office/drawing/2010/main">
+                <a:solidFill>
+                  <a:srgbClr val="FFFFFF"/>
+                </a:solidFill>
+              </a14:hiddenFill>
+            </a:ext>
+          </a:extLst>
+        </p:spPr>
+      </p:pic>
     </p:spTree>
     <p:extLst>
       <p:ext uri="{BB962C8B-B14F-4D97-AF65-F5344CB8AC3E}">
         <p14:creationId xmlns:p14="http://schemas.microsoft.com/office/powerpoint/2010/main" val="1725219293"/>
+      </p:ext>
+    </p:extLst>
+  </p:cSld>
+  <p:clrMapOvr>
+    <a:masterClrMapping/>
+  </p:clrMapOvr>
+  <p:timing>
+    <p:tnLst>
+      <p:par>
+        <p:cTn id="1" dur="indefinite" restart="never" nodeType="tmRoot"/>
+      </p:par>
+    </p:tnLst>
+  </p:timing>
+</p:sld>
+</file>
+
+<file path=ppt/slides/slide8.xml><?xml version="1.0" encoding="utf-8"?>
+<p:sld xmlns:a="http://schemas.openxmlformats.org/drawingml/2006/main" xmlns:r="http://schemas.openxmlformats.org/officeDocument/2006/relationships" xmlns:p="http://schemas.openxmlformats.org/presentationml/2006/main">
+  <p:cSld>
+    <p:spTree>
+      <p:nvGrpSpPr>
+        <p:cNvPr id="1" name=""/>
+        <p:cNvGrpSpPr/>
+        <p:nvPr/>
+      </p:nvGrpSpPr>
+      <p:grpSpPr>
+        <a:xfrm>
+          <a:off x="0" y="0"/>
+          <a:ext cx="0" cy="0"/>
+          <a:chOff x="0" y="0"/>
+          <a:chExt cx="0" cy="0"/>
+        </a:xfrm>
+      </p:grpSpPr>
+      <p:sp>
+        <p:nvSpPr>
+          <p:cNvPr id="2" name="Rubrik 1"/>
+          <p:cNvSpPr>
+            <a:spLocks noGrp="1"/>
+          </p:cNvSpPr>
+          <p:nvPr>
+            <p:ph type="title"/>
+          </p:nvPr>
+        </p:nvSpPr>
+        <p:spPr/>
+        <p:txBody>
+          <a:bodyPr/>
+          <a:lstStyle/>
+          <a:p>
+            <a:r>
+              <a:rPr lang="sv-SE" dirty="0" smtClean="0"/>
+              <a:t>Process: speltest</a:t>
+            </a:r>
+            <a:endParaRPr lang="sv-SE" dirty="0"/>
+          </a:p>
+        </p:txBody>
+      </p:sp>
+      <p:sp>
+        <p:nvSpPr>
+          <p:cNvPr id="3" name="Platshållare för innehåll 2"/>
+          <p:cNvSpPr>
+            <a:spLocks noGrp="1"/>
+          </p:cNvSpPr>
+          <p:nvPr>
+            <p:ph sz="quarter" idx="1"/>
+          </p:nvPr>
+        </p:nvSpPr>
+        <p:spPr/>
+        <p:txBody>
+          <a:bodyPr/>
+          <a:lstStyle/>
+          <a:p>
+            <a:r>
+              <a:rPr lang="sv-SE" dirty="0" smtClean="0"/>
+              <a:t>Självtester</a:t>
+            </a:r>
+          </a:p>
+          <a:p>
+            <a:r>
+              <a:rPr lang="sv-SE" dirty="0" smtClean="0"/>
+              <a:t>Interna tester</a:t>
+            </a:r>
+            <a:endParaRPr lang="sv-SE" dirty="0"/>
+          </a:p>
+        </p:txBody>
+      </p:sp>
+    </p:spTree>
+    <p:extLst>
+      <p:ext uri="{BB962C8B-B14F-4D97-AF65-F5344CB8AC3E}">
+        <p14:creationId xmlns:p14="http://schemas.microsoft.com/office/powerpoint/2010/main" val="440065690"/>
       </p:ext>
     </p:extLst>
   </p:cSld>
